--- a/doc/pythonCANproject_v0.0.pptx
+++ b/doc/pythonCANproject_v0.0.pptx
@@ -243,7 +243,7 @@
           <a:p>
             <a:fld id="{E01E04AD-BD59-4252-933F-EBECA9245F14}" type="datetimeFigureOut">
               <a:rPr lang="ko-KR" altLang="en-US" smtClean="0"/>
-              <a:t>2020-05-29</a:t>
+              <a:t>2020-06-04</a:t>
             </a:fld>
             <a:endParaRPr lang="ko-KR" altLang="en-US"/>
           </a:p>
@@ -413,7 +413,7 @@
           <a:p>
             <a:fld id="{E01E04AD-BD59-4252-933F-EBECA9245F14}" type="datetimeFigureOut">
               <a:rPr lang="ko-KR" altLang="en-US" smtClean="0"/>
-              <a:t>2020-05-29</a:t>
+              <a:t>2020-06-04</a:t>
             </a:fld>
             <a:endParaRPr lang="ko-KR" altLang="en-US"/>
           </a:p>
@@ -593,7 +593,7 @@
           <a:p>
             <a:fld id="{E01E04AD-BD59-4252-933F-EBECA9245F14}" type="datetimeFigureOut">
               <a:rPr lang="ko-KR" altLang="en-US" smtClean="0"/>
-              <a:t>2020-05-29</a:t>
+              <a:t>2020-06-04</a:t>
             </a:fld>
             <a:endParaRPr lang="ko-KR" altLang="en-US"/>
           </a:p>
@@ -763,7 +763,7 @@
           <a:p>
             <a:fld id="{E01E04AD-BD59-4252-933F-EBECA9245F14}" type="datetimeFigureOut">
               <a:rPr lang="ko-KR" altLang="en-US" smtClean="0"/>
-              <a:t>2020-05-29</a:t>
+              <a:t>2020-06-04</a:t>
             </a:fld>
             <a:endParaRPr lang="ko-KR" altLang="en-US"/>
           </a:p>
@@ -1009,7 +1009,7 @@
           <a:p>
             <a:fld id="{E01E04AD-BD59-4252-933F-EBECA9245F14}" type="datetimeFigureOut">
               <a:rPr lang="ko-KR" altLang="en-US" smtClean="0"/>
-              <a:t>2020-05-29</a:t>
+              <a:t>2020-06-04</a:t>
             </a:fld>
             <a:endParaRPr lang="ko-KR" altLang="en-US"/>
           </a:p>
@@ -1241,7 +1241,7 @@
           <a:p>
             <a:fld id="{E01E04AD-BD59-4252-933F-EBECA9245F14}" type="datetimeFigureOut">
               <a:rPr lang="ko-KR" altLang="en-US" smtClean="0"/>
-              <a:t>2020-05-29</a:t>
+              <a:t>2020-06-04</a:t>
             </a:fld>
             <a:endParaRPr lang="ko-KR" altLang="en-US"/>
           </a:p>
@@ -1608,7 +1608,7 @@
           <a:p>
             <a:fld id="{E01E04AD-BD59-4252-933F-EBECA9245F14}" type="datetimeFigureOut">
               <a:rPr lang="ko-KR" altLang="en-US" smtClean="0"/>
-              <a:t>2020-05-29</a:t>
+              <a:t>2020-06-04</a:t>
             </a:fld>
             <a:endParaRPr lang="ko-KR" altLang="en-US"/>
           </a:p>
@@ -1726,7 +1726,7 @@
           <a:p>
             <a:fld id="{E01E04AD-BD59-4252-933F-EBECA9245F14}" type="datetimeFigureOut">
               <a:rPr lang="ko-KR" altLang="en-US" smtClean="0"/>
-              <a:t>2020-05-29</a:t>
+              <a:t>2020-06-04</a:t>
             </a:fld>
             <a:endParaRPr lang="ko-KR" altLang="en-US"/>
           </a:p>
@@ -1821,7 +1821,7 @@
           <a:p>
             <a:fld id="{E01E04AD-BD59-4252-933F-EBECA9245F14}" type="datetimeFigureOut">
               <a:rPr lang="ko-KR" altLang="en-US" smtClean="0"/>
-              <a:t>2020-05-29</a:t>
+              <a:t>2020-06-04</a:t>
             </a:fld>
             <a:endParaRPr lang="ko-KR" altLang="en-US"/>
           </a:p>
@@ -2098,7 +2098,7 @@
           <a:p>
             <a:fld id="{E01E04AD-BD59-4252-933F-EBECA9245F14}" type="datetimeFigureOut">
               <a:rPr lang="ko-KR" altLang="en-US" smtClean="0"/>
-              <a:t>2020-05-29</a:t>
+              <a:t>2020-06-04</a:t>
             </a:fld>
             <a:endParaRPr lang="ko-KR" altLang="en-US"/>
           </a:p>
@@ -2355,7 +2355,7 @@
           <a:p>
             <a:fld id="{E01E04AD-BD59-4252-933F-EBECA9245F14}" type="datetimeFigureOut">
               <a:rPr lang="ko-KR" altLang="en-US" smtClean="0"/>
-              <a:t>2020-05-29</a:t>
+              <a:t>2020-06-04</a:t>
             </a:fld>
             <a:endParaRPr lang="ko-KR" altLang="en-US"/>
           </a:p>
@@ -2568,7 +2568,7 @@
           <a:p>
             <a:fld id="{E01E04AD-BD59-4252-933F-EBECA9245F14}" type="datetimeFigureOut">
               <a:rPr lang="ko-KR" altLang="en-US" smtClean="0"/>
-              <a:t>2020-05-29</a:t>
+              <a:t>2020-06-04</a:t>
             </a:fld>
             <a:endParaRPr lang="ko-KR" altLang="en-US"/>
           </a:p>
@@ -2981,7 +2981,7 @@
         </p:nvSpPr>
         <p:spPr>
           <a:xfrm>
-            <a:off x="13476476" y="2584866"/>
+            <a:off x="7924770" y="5082791"/>
             <a:ext cx="3402755" cy="1477328"/>
           </a:xfrm>
           <a:prstGeom prst="rect">
@@ -3052,8 +3052,8 @@
         </p:nvSpPr>
         <p:spPr>
           <a:xfrm>
-            <a:off x="18114552" y="5423147"/>
-            <a:ext cx="4913087" cy="2585323"/>
+            <a:off x="13705849" y="9556662"/>
+            <a:ext cx="4913087" cy="2862322"/>
           </a:xfrm>
           <a:prstGeom prst="rect">
             <a:avLst/>
@@ -3077,11 +3077,7 @@
             </a:r>
             <a:r>
               <a:rPr lang="en-US" altLang="ko-KR" dirty="0" smtClean="0"/>
-              <a:t> </a:t>
-            </a:r>
-            <a:r>
-              <a:rPr lang="en-US" altLang="ko-KR" dirty="0" smtClean="0"/>
-              <a:t>(class)</a:t>
+              <a:t> (class)</a:t>
             </a:r>
             <a:endParaRPr lang="en-US" altLang="ko-KR" dirty="0"/>
           </a:p>
@@ -3091,12 +3087,8 @@
               <a:buChar char="•"/>
             </a:pPr>
             <a:r>
-              <a:rPr lang="en-US" altLang="ko-KR" dirty="0"/>
-              <a:t>CAN </a:t>
-            </a:r>
-            <a:r>
-              <a:rPr lang="en-US" altLang="ko-KR" dirty="0" smtClean="0"/>
-              <a:t>ID</a:t>
+              <a:rPr lang="en-US" altLang="ko-KR" dirty="0" smtClean="0"/>
+              <a:t>CAN Channel</a:t>
             </a:r>
           </a:p>
           <a:p>
@@ -3105,8 +3097,8 @@
               <a:buChar char="•"/>
             </a:pPr>
             <a:r>
-              <a:rPr lang="en-US" altLang="ko-KR" dirty="0"/>
-              <a:t>Cycle Time</a:t>
+              <a:rPr lang="en-US" altLang="ko-KR" dirty="0" smtClean="0"/>
+              <a:t>CAN ID</a:t>
             </a:r>
           </a:p>
           <a:p>
@@ -3116,7 +3108,7 @@
             </a:pPr>
             <a:r>
               <a:rPr lang="en-US" altLang="ko-KR" dirty="0"/>
-              <a:t>Message Type</a:t>
+              <a:t>Cycle Time</a:t>
             </a:r>
           </a:p>
           <a:p>
@@ -3125,16 +3117,18 @@
               <a:buChar char="•"/>
             </a:pPr>
             <a:r>
-              <a:rPr lang="en-US" altLang="ko-KR" dirty="0" smtClean="0"/>
-              <a:t>All </a:t>
-            </a:r>
-            <a:r>
-              <a:rPr lang="en-US" altLang="ko-KR" dirty="0" smtClean="0"/>
-              <a:t>signals </a:t>
-            </a:r>
-            <a:r>
-              <a:rPr lang="en-US" altLang="ko-KR" dirty="0" smtClean="0"/>
-              <a:t>(</a:t>
+              <a:rPr lang="en-US" altLang="ko-KR" dirty="0"/>
+              <a:t>Message Type</a:t>
+            </a:r>
+          </a:p>
+          <a:p>
+            <a:pPr marL="285750" indent="-285750">
+              <a:buFont typeface="Arial" panose="020B0604020202020204" pitchFamily="34" charset="0"/>
+              <a:buChar char="•"/>
+            </a:pPr>
+            <a:r>
+              <a:rPr lang="en-US" altLang="ko-KR" dirty="0" smtClean="0"/>
+              <a:t>All signals (</a:t>
             </a:r>
             <a:r>
               <a:rPr lang="en-US" altLang="ko-KR" dirty="0" err="1" smtClean="0"/>
@@ -3203,8 +3197,8 @@
         </p:nvSpPr>
         <p:spPr>
           <a:xfrm>
-            <a:off x="27584399" y="5838646"/>
-            <a:ext cx="2657907" cy="1754326"/>
+            <a:off x="28451907" y="7601965"/>
+            <a:ext cx="2657907" cy="923330"/>
           </a:xfrm>
           <a:prstGeom prst="rect">
             <a:avLst/>
@@ -3247,15 +3241,6 @@
               <a:t>(* value can be changed)</a:t>
             </a:r>
           </a:p>
-          <a:p>
-            <a:endParaRPr lang="en-US" altLang="ko-KR" dirty="0"/>
-          </a:p>
-          <a:p>
-            <a:endParaRPr lang="en-US" altLang="ko-KR" dirty="0" smtClean="0"/>
-          </a:p>
-          <a:p>
-            <a:endParaRPr lang="ko-KR" altLang="en-US" dirty="0"/>
-          </a:p>
         </p:txBody>
       </p:sp>
       <p:cxnSp>
@@ -3268,8 +3253,8 @@
         </p:nvCxnSpPr>
         <p:spPr>
           <a:xfrm flipH="1" flipV="1">
-            <a:off x="16733520" y="6715808"/>
-            <a:ext cx="1381032" cy="1"/>
+            <a:off x="12324817" y="10849324"/>
+            <a:ext cx="1381032" cy="138499"/>
           </a:xfrm>
           <a:prstGeom prst="straightConnector1">
             <a:avLst/>
@@ -3301,7 +3286,7 @@
         </p:nvSpPr>
         <p:spPr>
           <a:xfrm>
-            <a:off x="25358475" y="816277"/>
+            <a:off x="25288137" y="2269938"/>
             <a:ext cx="1918939" cy="923330"/>
           </a:xfrm>
           <a:prstGeom prst="rect">
@@ -3348,110 +3333,6 @@
           </a:p>
         </p:txBody>
       </p:sp>
-      <p:cxnSp>
-        <p:nvCxnSpPr>
-          <p:cNvPr id="17" name="직선 화살표 연결선 16"/>
-          <p:cNvCxnSpPr>
-            <a:stCxn id="6" idx="1"/>
-            <a:endCxn id="5" idx="3"/>
-          </p:cNvCxnSpPr>
-          <p:nvPr/>
-        </p:nvCxnSpPr>
-        <p:spPr>
-          <a:xfrm flipH="1">
-            <a:off x="23027639" y="6715809"/>
-            <a:ext cx="4556760" cy="0"/>
-          </a:xfrm>
-          <a:prstGeom prst="straightConnector1">
-            <a:avLst/>
-          </a:prstGeom>
-          <a:ln>
-            <a:tailEnd type="triangle"/>
-          </a:ln>
-        </p:spPr>
-        <p:style>
-          <a:lnRef idx="1">
-            <a:schemeClr val="accent1"/>
-          </a:lnRef>
-          <a:fillRef idx="0">
-            <a:schemeClr val="accent1"/>
-          </a:fillRef>
-          <a:effectRef idx="0">
-            <a:schemeClr val="accent1"/>
-          </a:effectRef>
-          <a:fontRef idx="minor">
-            <a:schemeClr val="tx1"/>
-          </a:fontRef>
-        </p:style>
-      </p:cxnSp>
-      <p:cxnSp>
-        <p:nvCxnSpPr>
-          <p:cNvPr id="29" name="직선 화살표 연결선 28"/>
-          <p:cNvCxnSpPr/>
-          <p:nvPr/>
-        </p:nvCxnSpPr>
-        <p:spPr>
-          <a:xfrm flipH="1">
-            <a:off x="23027639" y="6727611"/>
-            <a:ext cx="4496183" cy="2279079"/>
-          </a:xfrm>
-          <a:prstGeom prst="straightConnector1">
-            <a:avLst/>
-          </a:prstGeom>
-          <a:ln>
-            <a:tailEnd type="triangle"/>
-          </a:ln>
-        </p:spPr>
-        <p:style>
-          <a:lnRef idx="1">
-            <a:schemeClr val="accent1"/>
-          </a:lnRef>
-          <a:fillRef idx="0">
-            <a:schemeClr val="accent1"/>
-          </a:fillRef>
-          <a:effectRef idx="0">
-            <a:schemeClr val="accent1"/>
-          </a:effectRef>
-          <a:fontRef idx="minor">
-            <a:schemeClr val="tx1"/>
-          </a:fontRef>
-        </p:style>
-      </p:cxnSp>
-      <p:cxnSp>
-        <p:nvCxnSpPr>
-          <p:cNvPr id="31" name="직선 화살표 연결선 30"/>
-          <p:cNvCxnSpPr>
-            <a:stCxn id="6" idx="1"/>
-          </p:cNvCxnSpPr>
-          <p:nvPr/>
-        </p:nvCxnSpPr>
-        <p:spPr>
-          <a:xfrm flipH="1">
-            <a:off x="23027639" y="6715809"/>
-            <a:ext cx="4556760" cy="4561791"/>
-          </a:xfrm>
-          <a:prstGeom prst="straightConnector1">
-            <a:avLst/>
-          </a:prstGeom>
-          <a:ln>
-            <a:tailEnd type="triangle"/>
-          </a:ln>
-        </p:spPr>
-        <p:style>
-          <a:lnRef idx="1">
-            <a:schemeClr val="accent1"/>
-          </a:lnRef>
-          <a:fillRef idx="0">
-            <a:schemeClr val="accent1"/>
-          </a:fillRef>
-          <a:effectRef idx="0">
-            <a:schemeClr val="accent1"/>
-          </a:effectRef>
-          <a:fontRef idx="minor">
-            <a:schemeClr val="tx1"/>
-          </a:fontRef>
-        </p:style>
-      </p:cxnSp>
       <p:sp>
         <p:nvSpPr>
           <p:cNvPr id="39" name="TextBox 38"/>
@@ -3460,7 +3341,7 @@
         </p:nvSpPr>
         <p:spPr>
           <a:xfrm>
-            <a:off x="31691195" y="1739607"/>
+            <a:off x="25482475" y="5762788"/>
             <a:ext cx="2507738" cy="1354217"/>
           </a:xfrm>
           <a:prstGeom prst="rect">
@@ -3525,7 +3406,7 @@
         </p:nvSpPr>
         <p:spPr>
           <a:xfrm>
-            <a:off x="28041991" y="3531341"/>
+            <a:off x="28909499" y="6178286"/>
             <a:ext cx="1742721" cy="523220"/>
           </a:xfrm>
           <a:prstGeom prst="rect">
@@ -3563,8 +3444,8 @@
         </p:nvCxnSpPr>
         <p:spPr>
           <a:xfrm>
-            <a:off x="28913352" y="4054561"/>
-            <a:ext cx="1" cy="1784085"/>
+            <a:off x="29780860" y="6701506"/>
+            <a:ext cx="1" cy="900459"/>
           </a:xfrm>
           <a:prstGeom prst="straightConnector1">
             <a:avLst/>
@@ -3592,15 +3473,15 @@
         <p:nvCxnSpPr>
           <p:cNvPr id="44" name="직선 화살표 연결선 43"/>
           <p:cNvCxnSpPr>
-            <a:stCxn id="39" idx="1"/>
+            <a:stCxn id="39" idx="3"/>
             <a:endCxn id="6" idx="0"/>
           </p:cNvCxnSpPr>
           <p:nvPr/>
         </p:nvCxnSpPr>
         <p:spPr>
-          <a:xfrm flipH="1">
-            <a:off x="28913353" y="2416716"/>
-            <a:ext cx="2777842" cy="3421930"/>
+          <a:xfrm>
+            <a:off x="27990213" y="6439897"/>
+            <a:ext cx="1790648" cy="1162068"/>
           </a:xfrm>
           <a:prstGeom prst="straightConnector1">
             <a:avLst/>
@@ -3628,56 +3509,21 @@
         <p:nvCxnSpPr>
           <p:cNvPr id="47" name="직선 화살표 연결선 46"/>
           <p:cNvCxnSpPr>
-            <a:stCxn id="39" idx="1"/>
-            <a:endCxn id="40" idx="0"/>
+            <a:stCxn id="39" idx="3"/>
+            <a:endCxn id="40" idx="1"/>
           </p:cNvCxnSpPr>
           <p:nvPr/>
         </p:nvCxnSpPr>
         <p:spPr>
-          <a:xfrm flipH="1">
-            <a:off x="28913352" y="2416716"/>
-            <a:ext cx="2777843" cy="1114625"/>
+          <a:xfrm flipV="1">
+            <a:off x="27990213" y="6439896"/>
+            <a:ext cx="919286" cy="1"/>
           </a:xfrm>
           <a:prstGeom prst="straightConnector1">
             <a:avLst/>
           </a:prstGeom>
           <a:ln>
             <a:tailEnd type="triangle"/>
-          </a:ln>
-        </p:spPr>
-        <p:style>
-          <a:lnRef idx="1">
-            <a:schemeClr val="accent1"/>
-          </a:lnRef>
-          <a:fillRef idx="0">
-            <a:schemeClr val="accent1"/>
-          </a:fillRef>
-          <a:effectRef idx="0">
-            <a:schemeClr val="accent1"/>
-          </a:effectRef>
-          <a:fontRef idx="minor">
-            <a:schemeClr val="tx1"/>
-          </a:fontRef>
-        </p:style>
-      </p:cxnSp>
-      <p:cxnSp>
-        <p:nvCxnSpPr>
-          <p:cNvPr id="59" name="직선 연결선 58"/>
-          <p:cNvCxnSpPr>
-            <a:stCxn id="14" idx="2"/>
-          </p:cNvCxnSpPr>
-          <p:nvPr/>
-        </p:nvCxnSpPr>
-        <p:spPr>
-          <a:xfrm>
-            <a:off x="26317945" y="1739607"/>
-            <a:ext cx="0" cy="15847353"/>
-          </a:xfrm>
-          <a:prstGeom prst="line">
-            <a:avLst/>
-          </a:prstGeom>
-          <a:ln>
-            <a:prstDash val="dash"/>
           </a:ln>
         </p:spPr>
         <p:style>
@@ -3699,15 +3545,15 @@
         <p:nvCxnSpPr>
           <p:cNvPr id="61" name="직선 화살표 연결선 60"/>
           <p:cNvCxnSpPr>
-            <a:stCxn id="39" idx="1"/>
-            <a:endCxn id="14" idx="3"/>
+            <a:stCxn id="39" idx="0"/>
+            <a:endCxn id="14" idx="2"/>
           </p:cNvCxnSpPr>
           <p:nvPr/>
         </p:nvCxnSpPr>
         <p:spPr>
           <a:xfrm flipH="1" flipV="1">
-            <a:off x="27277414" y="1277942"/>
-            <a:ext cx="4413781" cy="1138774"/>
+            <a:off x="26247607" y="3193268"/>
+            <a:ext cx="488737" cy="2569520"/>
           </a:xfrm>
           <a:prstGeom prst="straightConnector1">
             <a:avLst/>
@@ -3739,7 +3585,7 @@
         </p:nvSpPr>
         <p:spPr>
           <a:xfrm>
-            <a:off x="24103471" y="2895114"/>
+            <a:off x="33756703" y="339483"/>
             <a:ext cx="1898468" cy="369332"/>
           </a:xfrm>
           <a:prstGeom prst="rect">
@@ -3761,92 +3607,6 @@
           </a:p>
         </p:txBody>
       </p:sp>
-      <p:grpSp>
-        <p:nvGrpSpPr>
-          <p:cNvPr id="67" name="그룹 66"/>
-          <p:cNvGrpSpPr/>
-          <p:nvPr/>
-        </p:nvGrpSpPr>
-        <p:grpSpPr>
-          <a:xfrm>
-            <a:off x="25864080" y="2262827"/>
-            <a:ext cx="2025120" cy="626647"/>
-            <a:chOff x="19733485" y="2697602"/>
-            <a:chExt cx="1496591" cy="626647"/>
-          </a:xfrm>
-        </p:grpSpPr>
-        <p:sp>
-          <p:nvSpPr>
-            <p:cNvPr id="65" name="왼쪽 화살표 64"/>
-            <p:cNvSpPr/>
-            <p:nvPr/>
-          </p:nvSpPr>
-          <p:spPr>
-            <a:xfrm>
-              <a:off x="19733485" y="2697602"/>
-              <a:ext cx="1496591" cy="626647"/>
-            </a:xfrm>
-            <a:prstGeom prst="leftArrow">
-              <a:avLst/>
-            </a:prstGeom>
-          </p:spPr>
-          <p:style>
-            <a:lnRef idx="2">
-              <a:schemeClr val="accent1">
-                <a:shade val="50000"/>
-              </a:schemeClr>
-            </a:lnRef>
-            <a:fillRef idx="1">
-              <a:schemeClr val="accent1"/>
-            </a:fillRef>
-            <a:effectRef idx="0">
-              <a:schemeClr val="accent1"/>
-            </a:effectRef>
-            <a:fontRef idx="minor">
-              <a:schemeClr val="lt1"/>
-            </a:fontRef>
-          </p:style>
-          <p:txBody>
-            <a:bodyPr rtlCol="0" anchor="ctr"/>
-            <a:lstStyle/>
-            <a:p>
-              <a:pPr algn="ctr"/>
-              <a:endParaRPr lang="ko-KR" altLang="en-US"/>
-            </a:p>
-          </p:txBody>
-        </p:sp>
-        <p:sp>
-          <p:nvSpPr>
-            <p:cNvPr id="66" name="TextBox 65"/>
-            <p:cNvSpPr txBox="1"/>
-            <p:nvPr/>
-          </p:nvSpPr>
-          <p:spPr>
-            <a:xfrm>
-              <a:off x="20167695" y="2826259"/>
-              <a:ext cx="632289" cy="369332"/>
-            </a:xfrm>
-            <a:prstGeom prst="rect">
-              <a:avLst/>
-            </a:prstGeom>
-            <a:noFill/>
-          </p:spPr>
-          <p:txBody>
-            <a:bodyPr wrap="none" rtlCol="0">
-              <a:spAutoFit/>
-            </a:bodyPr>
-            <a:lstStyle/>
-            <a:p>
-              <a:pPr algn="ctr"/>
-              <a:r>
-                <a:rPr lang="en-US" altLang="ko-KR" dirty="0" smtClean="0"/>
-                <a:t>Start</a:t>
-              </a:r>
-              <a:endParaRPr lang="ko-KR" altLang="en-US" dirty="0"/>
-            </a:p>
-          </p:txBody>
-        </p:sp>
-      </p:grpSp>
       <p:sp>
         <p:nvSpPr>
           <p:cNvPr id="72" name="왼쪽 화살표 71"/>
@@ -3855,8 +3615,8 @@
         </p:nvSpPr>
         <p:spPr>
           <a:xfrm>
-            <a:off x="6113448" y="2941178"/>
-            <a:ext cx="7335006" cy="764703"/>
+            <a:off x="4495665" y="5439103"/>
+            <a:ext cx="3406438" cy="764703"/>
           </a:xfrm>
           <a:prstGeom prst="leftArrow">
             <a:avLst/>
@@ -3895,7 +3655,7 @@
         </p:nvSpPr>
         <p:spPr>
           <a:xfrm>
-            <a:off x="5102048" y="2446047"/>
+            <a:off x="3484264" y="4943972"/>
             <a:ext cx="997389" cy="1754326"/>
           </a:xfrm>
           <a:prstGeom prst="rect">
@@ -3935,7 +3695,7 @@
         </p:nvSpPr>
         <p:spPr>
           <a:xfrm>
-            <a:off x="8101872" y="9290029"/>
+            <a:off x="5772289" y="12453189"/>
             <a:ext cx="4304961" cy="2031325"/>
           </a:xfrm>
           <a:prstGeom prst="rect">
@@ -4021,7 +3781,7 @@
         </p:nvSpPr>
         <p:spPr>
           <a:xfrm>
-            <a:off x="19495291" y="406449"/>
+            <a:off x="17877507" y="1860110"/>
             <a:ext cx="4139139" cy="1754326"/>
           </a:xfrm>
           <a:prstGeom prst="rect">
@@ -4077,8 +3837,8 @@
         </p:nvCxnSpPr>
         <p:spPr>
           <a:xfrm flipH="1">
-            <a:off x="23634430" y="1277942"/>
-            <a:ext cx="1724045" cy="5670"/>
+            <a:off x="22016646" y="2731603"/>
+            <a:ext cx="3271491" cy="5670"/>
           </a:xfrm>
           <a:prstGeom prst="straightConnector1">
             <a:avLst/>
@@ -4086,6 +3846,948 @@
           <a:ln>
             <a:tailEnd type="triangle"/>
           </a:ln>
+        </p:spPr>
+        <p:style>
+          <a:lnRef idx="1">
+            <a:schemeClr val="accent1"/>
+          </a:lnRef>
+          <a:fillRef idx="0">
+            <a:schemeClr val="accent1"/>
+          </a:fillRef>
+          <a:effectRef idx="0">
+            <a:schemeClr val="accent1"/>
+          </a:effectRef>
+          <a:fontRef idx="minor">
+            <a:schemeClr val="tx1"/>
+          </a:fontRef>
+        </p:style>
+      </p:cxnSp>
+      <p:sp>
+        <p:nvSpPr>
+          <p:cNvPr id="2" name="직사각형 1"/>
+          <p:cNvSpPr/>
+          <p:nvPr/>
+        </p:nvSpPr>
+        <p:spPr>
+          <a:xfrm>
+            <a:off x="5407856" y="1430215"/>
+            <a:ext cx="17419320" cy="13082954"/>
+          </a:xfrm>
+          <a:prstGeom prst="rect">
+            <a:avLst/>
+          </a:prstGeom>
+          <a:noFill/>
+        </p:spPr>
+        <p:style>
+          <a:lnRef idx="2">
+            <a:schemeClr val="accent1">
+              <a:shade val="50000"/>
+            </a:schemeClr>
+          </a:lnRef>
+          <a:fillRef idx="1">
+            <a:schemeClr val="accent1"/>
+          </a:fillRef>
+          <a:effectRef idx="0">
+            <a:schemeClr val="accent1"/>
+          </a:effectRef>
+          <a:fontRef idx="minor">
+            <a:schemeClr val="lt1"/>
+          </a:fontRef>
+        </p:style>
+        <p:txBody>
+          <a:bodyPr rtlCol="0" anchor="ctr"/>
+          <a:lstStyle/>
+          <a:p>
+            <a:pPr algn="ctr"/>
+            <a:endParaRPr lang="ko-KR" altLang="en-US"/>
+          </a:p>
+        </p:txBody>
+      </p:sp>
+      <p:sp>
+        <p:nvSpPr>
+          <p:cNvPr id="70" name="TextBox 69"/>
+          <p:cNvSpPr txBox="1"/>
+          <p:nvPr/>
+        </p:nvSpPr>
+        <p:spPr>
+          <a:xfrm>
+            <a:off x="18897600" y="14841415"/>
+            <a:ext cx="1526380" cy="1200329"/>
+          </a:xfrm>
+          <a:prstGeom prst="rect">
+            <a:avLst/>
+          </a:prstGeom>
+          <a:noFill/>
+        </p:spPr>
+        <p:txBody>
+          <a:bodyPr wrap="none" rtlCol="0">
+            <a:spAutoFit/>
+          </a:bodyPr>
+          <a:lstStyle/>
+          <a:p>
+            <a:r>
+              <a:rPr lang="en-US" altLang="ko-KR" dirty="0" smtClean="0"/>
+              <a:t>On</a:t>
+            </a:r>
+            <a:r>
+              <a:rPr lang="ko-KR" altLang="en-US" dirty="0" smtClean="0"/>
+              <a:t> </a:t>
+            </a:r>
+            <a:r>
+              <a:rPr lang="en-US" altLang="ko-KR" dirty="0" smtClean="0"/>
+              <a:t>__</a:t>
+            </a:r>
+            <a:r>
+              <a:rPr lang="en-US" altLang="ko-KR" dirty="0" err="1" smtClean="0"/>
+              <a:t>init</a:t>
+            </a:r>
+            <a:r>
+              <a:rPr lang="en-US" altLang="ko-KR" dirty="0" smtClean="0"/>
+              <a:t>()__?</a:t>
+            </a:r>
+          </a:p>
+          <a:p>
+            <a:r>
+              <a:rPr lang="en-US" altLang="ko-KR" dirty="0" smtClean="0"/>
+              <a:t>Set “bus”</a:t>
+            </a:r>
+          </a:p>
+          <a:p>
+            <a:r>
+              <a:rPr lang="en-US" altLang="ko-KR" dirty="0" smtClean="0"/>
+              <a:t>Set “CAN </a:t>
+            </a:r>
+            <a:r>
+              <a:rPr lang="en-US" altLang="ko-KR" dirty="0" err="1" smtClean="0"/>
+              <a:t>db</a:t>
+            </a:r>
+            <a:r>
+              <a:rPr lang="en-US" altLang="ko-KR" dirty="0" smtClean="0"/>
+              <a:t>“</a:t>
+            </a:r>
+          </a:p>
+          <a:p>
+            <a:endParaRPr lang="ko-KR" altLang="en-US" dirty="0"/>
+          </a:p>
+        </p:txBody>
+      </p:sp>
+      <p:sp>
+        <p:nvSpPr>
+          <p:cNvPr id="71" name="TextBox 70"/>
+          <p:cNvSpPr txBox="1"/>
+          <p:nvPr/>
+        </p:nvSpPr>
+        <p:spPr>
+          <a:xfrm>
+            <a:off x="17449800" y="5424233"/>
+            <a:ext cx="6687793" cy="3416320"/>
+          </a:xfrm>
+          <a:prstGeom prst="rect">
+            <a:avLst/>
+          </a:prstGeom>
+          <a:noFill/>
+          <a:ln>
+            <a:solidFill>
+              <a:schemeClr val="tx1"/>
+            </a:solidFill>
+          </a:ln>
+        </p:spPr>
+        <p:txBody>
+          <a:bodyPr wrap="square" rtlCol="0">
+            <a:spAutoFit/>
+          </a:bodyPr>
+          <a:lstStyle/>
+          <a:p>
+            <a:r>
+              <a:rPr lang="en-US" altLang="ko-KR" dirty="0" smtClean="0"/>
+              <a:t>TX_MESSAGE_MANAGER [PKG]</a:t>
+            </a:r>
+          </a:p>
+          <a:p>
+            <a:r>
+              <a:rPr lang="en-US" altLang="ko-KR" dirty="0" smtClean="0"/>
+              <a:t>Public functions:</a:t>
+            </a:r>
+          </a:p>
+          <a:p>
+            <a:pPr lvl="1"/>
+            <a:r>
+              <a:rPr lang="en-US" altLang="ko-KR" dirty="0" smtClean="0"/>
+              <a:t>(f) </a:t>
+            </a:r>
+            <a:r>
+              <a:rPr lang="en-US" altLang="ko-KR" dirty="0" err="1" smtClean="0"/>
+              <a:t>create_tx_message</a:t>
+            </a:r>
+            <a:r>
+              <a:rPr lang="en-US" altLang="ko-KR" dirty="0" smtClean="0"/>
+              <a:t>(</a:t>
+            </a:r>
+            <a:r>
+              <a:rPr lang="en-US" altLang="ko-KR" dirty="0" err="1" smtClean="0"/>
+              <a:t>sig_name</a:t>
+            </a:r>
+            <a:r>
+              <a:rPr lang="en-US" altLang="ko-KR" dirty="0" smtClean="0"/>
+              <a:t>)</a:t>
+            </a:r>
+          </a:p>
+          <a:p>
+            <a:pPr lvl="1"/>
+            <a:r>
+              <a:rPr lang="en-US" altLang="ko-KR" dirty="0"/>
+              <a:t>	</a:t>
+            </a:r>
+            <a:r>
+              <a:rPr lang="en-US" altLang="ko-KR" dirty="0" smtClean="0"/>
+              <a:t>* return ‘</a:t>
+            </a:r>
+            <a:r>
+              <a:rPr lang="en-US" altLang="ko-KR" dirty="0" err="1" smtClean="0"/>
+              <a:t>tx_message</a:t>
+            </a:r>
+            <a:r>
+              <a:rPr lang="en-US" altLang="ko-KR" dirty="0" smtClean="0"/>
+              <a:t>‘</a:t>
+            </a:r>
+          </a:p>
+          <a:p>
+            <a:pPr lvl="1"/>
+            <a:r>
+              <a:rPr lang="en-US" altLang="ko-KR" dirty="0" smtClean="0"/>
+              <a:t>(f) </a:t>
+            </a:r>
+            <a:r>
+              <a:rPr lang="en-US" altLang="ko-KR" dirty="0" err="1" smtClean="0"/>
+              <a:t>start_tx_message</a:t>
+            </a:r>
+            <a:r>
+              <a:rPr lang="en-US" altLang="ko-KR" dirty="0" smtClean="0"/>
+              <a:t>(</a:t>
+            </a:r>
+            <a:r>
+              <a:rPr lang="en-US" altLang="ko-KR" dirty="0" err="1" smtClean="0"/>
+              <a:t>msg_name</a:t>
+            </a:r>
+            <a:r>
+              <a:rPr lang="en-US" altLang="ko-KR" dirty="0" smtClean="0"/>
+              <a:t>)</a:t>
+            </a:r>
+          </a:p>
+          <a:p>
+            <a:pPr lvl="1"/>
+            <a:r>
+              <a:rPr lang="en-US" altLang="ko-KR" dirty="0" smtClean="0"/>
+              <a:t>(f) </a:t>
+            </a:r>
+            <a:r>
+              <a:rPr lang="en-US" altLang="ko-KR" dirty="0" err="1" smtClean="0"/>
+              <a:t>pause_tx_message</a:t>
+            </a:r>
+            <a:r>
+              <a:rPr lang="en-US" altLang="ko-KR" dirty="0" smtClean="0"/>
+              <a:t>(</a:t>
+            </a:r>
+            <a:r>
+              <a:rPr lang="en-US" altLang="ko-KR" dirty="0" err="1" smtClean="0"/>
+              <a:t>msg_name</a:t>
+            </a:r>
+            <a:r>
+              <a:rPr lang="en-US" altLang="ko-KR" dirty="0" smtClean="0"/>
+              <a:t>)</a:t>
+            </a:r>
+          </a:p>
+          <a:p>
+            <a:pPr lvl="1"/>
+            <a:r>
+              <a:rPr lang="en-US" altLang="ko-KR" dirty="0" smtClean="0"/>
+              <a:t>(f) </a:t>
+            </a:r>
+            <a:r>
+              <a:rPr lang="en-US" altLang="ko-KR" dirty="0" err="1" smtClean="0"/>
+              <a:t>update_tx_message</a:t>
+            </a:r>
+            <a:r>
+              <a:rPr lang="en-US" altLang="ko-KR" dirty="0" smtClean="0"/>
+              <a:t>(</a:t>
+            </a:r>
+            <a:r>
+              <a:rPr lang="en-US" altLang="ko-KR" dirty="0" err="1" smtClean="0"/>
+              <a:t>msg_name</a:t>
+            </a:r>
+            <a:r>
+              <a:rPr lang="en-US" altLang="ko-KR" dirty="0" smtClean="0"/>
+              <a:t>, </a:t>
+            </a:r>
+            <a:r>
+              <a:rPr lang="en-US" altLang="ko-KR" dirty="0" err="1" smtClean="0"/>
+              <a:t>sig_name</a:t>
+            </a:r>
+            <a:r>
+              <a:rPr lang="en-US" altLang="ko-KR" dirty="0" smtClean="0"/>
+              <a:t>, value)</a:t>
+            </a:r>
+          </a:p>
+          <a:p>
+            <a:pPr lvl="1"/>
+            <a:r>
+              <a:rPr lang="en-US" altLang="ko-KR" dirty="0" smtClean="0"/>
+              <a:t>(f) </a:t>
+            </a:r>
+            <a:r>
+              <a:rPr lang="en-US" altLang="ko-KR" dirty="0" err="1" smtClean="0"/>
+              <a:t>delete_tx_message</a:t>
+            </a:r>
+            <a:r>
+              <a:rPr lang="en-US" altLang="ko-KR" dirty="0" smtClean="0"/>
+              <a:t>(</a:t>
+            </a:r>
+            <a:r>
+              <a:rPr lang="en-US" altLang="ko-KR" dirty="0" err="1" smtClean="0"/>
+              <a:t>msg_name</a:t>
+            </a:r>
+            <a:r>
+              <a:rPr lang="en-US" altLang="ko-KR" dirty="0" smtClean="0"/>
+              <a:t>)</a:t>
+            </a:r>
+          </a:p>
+          <a:p>
+            <a:pPr lvl="1"/>
+            <a:r>
+              <a:rPr lang="en-US" altLang="ko-KR" dirty="0" smtClean="0"/>
+              <a:t>(f) </a:t>
+            </a:r>
+            <a:r>
+              <a:rPr lang="en-US" altLang="ko-KR" dirty="0" err="1" smtClean="0"/>
+              <a:t>reset_tx_signal_only</a:t>
+            </a:r>
+            <a:r>
+              <a:rPr lang="en-US" altLang="ko-KR" dirty="0" smtClean="0"/>
+              <a:t>(</a:t>
+            </a:r>
+            <a:r>
+              <a:rPr lang="en-US" altLang="ko-KR" dirty="0" err="1" smtClean="0"/>
+              <a:t>msg_name</a:t>
+            </a:r>
+            <a:r>
+              <a:rPr lang="en-US" altLang="ko-KR" dirty="0" smtClean="0"/>
+              <a:t>, </a:t>
+            </a:r>
+            <a:r>
+              <a:rPr lang="en-US" altLang="ko-KR" dirty="0" err="1" smtClean="0"/>
+              <a:t>sig_name</a:t>
+            </a:r>
+            <a:r>
+              <a:rPr lang="en-US" altLang="ko-KR" dirty="0" smtClean="0"/>
+              <a:t>)</a:t>
+            </a:r>
+          </a:p>
+          <a:p>
+            <a:endParaRPr lang="en-US" altLang="ko-KR" dirty="0"/>
+          </a:p>
+          <a:p>
+            <a:r>
+              <a:rPr lang="en-US" altLang="ko-KR" dirty="0" smtClean="0"/>
+              <a:t>Private functions:</a:t>
+            </a:r>
+          </a:p>
+          <a:p>
+            <a:endParaRPr lang="en-US" altLang="ko-KR" dirty="0" smtClean="0"/>
+          </a:p>
+        </p:txBody>
+      </p:sp>
+      <p:sp>
+        <p:nvSpPr>
+          <p:cNvPr id="74" name="직사각형 73"/>
+          <p:cNvSpPr/>
+          <p:nvPr/>
+        </p:nvSpPr>
+        <p:spPr>
+          <a:xfrm>
+            <a:off x="23571201" y="10849323"/>
+            <a:ext cx="11852926" cy="6642370"/>
+          </a:xfrm>
+          <a:prstGeom prst="rect">
+            <a:avLst/>
+          </a:prstGeom>
+          <a:noFill/>
+        </p:spPr>
+        <p:style>
+          <a:lnRef idx="2">
+            <a:schemeClr val="accent1">
+              <a:shade val="50000"/>
+            </a:schemeClr>
+          </a:lnRef>
+          <a:fillRef idx="1">
+            <a:schemeClr val="accent1"/>
+          </a:fillRef>
+          <a:effectRef idx="0">
+            <a:schemeClr val="accent1"/>
+          </a:effectRef>
+          <a:fontRef idx="minor">
+            <a:schemeClr val="lt1"/>
+          </a:fontRef>
+        </p:style>
+        <p:txBody>
+          <a:bodyPr rtlCol="0" anchor="ctr"/>
+          <a:lstStyle/>
+          <a:p>
+            <a:pPr algn="ctr"/>
+            <a:endParaRPr lang="ko-KR" altLang="en-US"/>
+          </a:p>
+        </p:txBody>
+      </p:sp>
+      <p:sp>
+        <p:nvSpPr>
+          <p:cNvPr id="75" name="직사각형 74"/>
+          <p:cNvSpPr/>
+          <p:nvPr/>
+        </p:nvSpPr>
+        <p:spPr>
+          <a:xfrm>
+            <a:off x="24454252" y="14819292"/>
+            <a:ext cx="10632695" cy="587270"/>
+          </a:xfrm>
+          <a:prstGeom prst="rect">
+            <a:avLst/>
+          </a:prstGeom>
+          <a:noFill/>
+          <a:ln>
+            <a:solidFill>
+              <a:schemeClr val="tx1"/>
+            </a:solidFill>
+          </a:ln>
+        </p:spPr>
+        <p:style>
+          <a:lnRef idx="2">
+            <a:schemeClr val="accent1">
+              <a:shade val="50000"/>
+            </a:schemeClr>
+          </a:lnRef>
+          <a:fillRef idx="1">
+            <a:schemeClr val="accent1"/>
+          </a:fillRef>
+          <a:effectRef idx="0">
+            <a:schemeClr val="accent1"/>
+          </a:effectRef>
+          <a:fontRef idx="minor">
+            <a:schemeClr val="lt1"/>
+          </a:fontRef>
+        </p:style>
+        <p:txBody>
+          <a:bodyPr rtlCol="0" anchor="ctr"/>
+          <a:lstStyle/>
+          <a:p>
+            <a:pPr algn="ctr"/>
+            <a:endParaRPr lang="ko-KR" altLang="en-US" dirty="0"/>
+          </a:p>
+        </p:txBody>
+      </p:sp>
+      <p:sp>
+        <p:nvSpPr>
+          <p:cNvPr id="76" name="TextBox 75"/>
+          <p:cNvSpPr txBox="1"/>
+          <p:nvPr/>
+        </p:nvSpPr>
+        <p:spPr>
+          <a:xfrm>
+            <a:off x="24583136" y="14928261"/>
+            <a:ext cx="8956298" cy="369332"/>
+          </a:xfrm>
+          <a:prstGeom prst="rect">
+            <a:avLst/>
+          </a:prstGeom>
+          <a:noFill/>
+        </p:spPr>
+        <p:txBody>
+          <a:bodyPr wrap="none" rtlCol="0">
+            <a:spAutoFit/>
+          </a:bodyPr>
+          <a:lstStyle/>
+          <a:p>
+            <a:r>
+              <a:rPr lang="en-US" altLang="ko-KR" dirty="0" err="1" smtClean="0"/>
+              <a:t>Msg_Name</a:t>
+            </a:r>
+            <a:r>
+              <a:rPr lang="en-US" altLang="ko-KR" dirty="0" smtClean="0"/>
+              <a:t>:			</a:t>
+            </a:r>
+            <a:r>
+              <a:rPr lang="en-US" altLang="ko-KR" dirty="0" err="1" smtClean="0"/>
+              <a:t>Msg_ID</a:t>
+            </a:r>
+            <a:r>
+              <a:rPr lang="en-US" altLang="ko-KR" dirty="0" smtClean="0"/>
+              <a:t>:  			  </a:t>
+            </a:r>
+            <a:r>
+              <a:rPr lang="en-US" altLang="ko-KR" dirty="0" err="1" smtClean="0"/>
+              <a:t>Sig_Name</a:t>
+            </a:r>
+            <a:r>
+              <a:rPr lang="en-US" altLang="ko-KR" dirty="0" smtClean="0"/>
+              <a:t>:			</a:t>
+            </a:r>
+            <a:r>
+              <a:rPr lang="en-US" altLang="ko-KR" dirty="0" err="1" smtClean="0"/>
+              <a:t>Sig_Value</a:t>
+            </a:r>
+            <a:r>
+              <a:rPr lang="en-US" altLang="ko-KR" dirty="0" smtClean="0"/>
+              <a:t>:			</a:t>
+            </a:r>
+            <a:endParaRPr lang="ko-KR" altLang="en-US" dirty="0"/>
+          </a:p>
+        </p:txBody>
+      </p:sp>
+      <p:sp>
+        <p:nvSpPr>
+          <p:cNvPr id="77" name="직사각형 76"/>
+          <p:cNvSpPr/>
+          <p:nvPr/>
+        </p:nvSpPr>
+        <p:spPr>
+          <a:xfrm>
+            <a:off x="25840956" y="14928261"/>
+            <a:ext cx="1010529" cy="369332"/>
+          </a:xfrm>
+          <a:prstGeom prst="rect">
+            <a:avLst/>
+          </a:prstGeom>
+          <a:noFill/>
+        </p:spPr>
+        <p:style>
+          <a:lnRef idx="2">
+            <a:schemeClr val="accent1">
+              <a:shade val="50000"/>
+            </a:schemeClr>
+          </a:lnRef>
+          <a:fillRef idx="1">
+            <a:schemeClr val="accent1"/>
+          </a:fillRef>
+          <a:effectRef idx="0">
+            <a:schemeClr val="accent1"/>
+          </a:effectRef>
+          <a:fontRef idx="minor">
+            <a:schemeClr val="lt1"/>
+          </a:fontRef>
+        </p:style>
+        <p:txBody>
+          <a:bodyPr rtlCol="0" anchor="ctr"/>
+          <a:lstStyle/>
+          <a:p>
+            <a:pPr algn="ctr"/>
+            <a:endParaRPr lang="ko-KR" altLang="en-US"/>
+          </a:p>
+        </p:txBody>
+      </p:sp>
+      <p:sp>
+        <p:nvSpPr>
+          <p:cNvPr id="78" name="직사각형 77"/>
+          <p:cNvSpPr/>
+          <p:nvPr/>
+        </p:nvSpPr>
+        <p:spPr>
+          <a:xfrm>
+            <a:off x="27790336" y="14928261"/>
+            <a:ext cx="1010529" cy="369332"/>
+          </a:xfrm>
+          <a:prstGeom prst="rect">
+            <a:avLst/>
+          </a:prstGeom>
+          <a:noFill/>
+        </p:spPr>
+        <p:style>
+          <a:lnRef idx="2">
+            <a:schemeClr val="accent1">
+              <a:shade val="50000"/>
+            </a:schemeClr>
+          </a:lnRef>
+          <a:fillRef idx="1">
+            <a:schemeClr val="accent1"/>
+          </a:fillRef>
+          <a:effectRef idx="0">
+            <a:schemeClr val="accent1"/>
+          </a:effectRef>
+          <a:fontRef idx="minor">
+            <a:schemeClr val="lt1"/>
+          </a:fontRef>
+        </p:style>
+        <p:txBody>
+          <a:bodyPr rtlCol="0" anchor="ctr"/>
+          <a:lstStyle/>
+          <a:p>
+            <a:pPr algn="ctr"/>
+            <a:endParaRPr lang="ko-KR" altLang="en-US"/>
+          </a:p>
+        </p:txBody>
+      </p:sp>
+      <p:sp>
+        <p:nvSpPr>
+          <p:cNvPr id="81" name="직사각형 80"/>
+          <p:cNvSpPr/>
+          <p:nvPr/>
+        </p:nvSpPr>
+        <p:spPr>
+          <a:xfrm>
+            <a:off x="29953880" y="14928261"/>
+            <a:ext cx="1010529" cy="369332"/>
+          </a:xfrm>
+          <a:prstGeom prst="rect">
+            <a:avLst/>
+          </a:prstGeom>
+          <a:noFill/>
+        </p:spPr>
+        <p:style>
+          <a:lnRef idx="2">
+            <a:schemeClr val="accent1">
+              <a:shade val="50000"/>
+            </a:schemeClr>
+          </a:lnRef>
+          <a:fillRef idx="1">
+            <a:schemeClr val="accent1"/>
+          </a:fillRef>
+          <a:effectRef idx="0">
+            <a:schemeClr val="accent1"/>
+          </a:effectRef>
+          <a:fontRef idx="minor">
+            <a:schemeClr val="lt1"/>
+          </a:fontRef>
+        </p:style>
+        <p:txBody>
+          <a:bodyPr rtlCol="0" anchor="ctr"/>
+          <a:lstStyle/>
+          <a:p>
+            <a:pPr algn="ctr"/>
+            <a:endParaRPr lang="ko-KR" altLang="en-US"/>
+          </a:p>
+        </p:txBody>
+      </p:sp>
+      <p:sp>
+        <p:nvSpPr>
+          <p:cNvPr id="82" name="직사각형 81"/>
+          <p:cNvSpPr/>
+          <p:nvPr/>
+        </p:nvSpPr>
+        <p:spPr>
+          <a:xfrm>
+            <a:off x="32117425" y="14928261"/>
+            <a:ext cx="1010529" cy="369332"/>
+          </a:xfrm>
+          <a:prstGeom prst="rect">
+            <a:avLst/>
+          </a:prstGeom>
+          <a:solidFill>
+            <a:schemeClr val="accent1"/>
+          </a:solidFill>
+        </p:spPr>
+        <p:style>
+          <a:lnRef idx="2">
+            <a:schemeClr val="accent1">
+              <a:shade val="50000"/>
+            </a:schemeClr>
+          </a:lnRef>
+          <a:fillRef idx="1">
+            <a:schemeClr val="accent1"/>
+          </a:fillRef>
+          <a:effectRef idx="0">
+            <a:schemeClr val="accent1"/>
+          </a:effectRef>
+          <a:fontRef idx="minor">
+            <a:schemeClr val="lt1"/>
+          </a:fontRef>
+        </p:style>
+        <p:txBody>
+          <a:bodyPr rtlCol="0" anchor="ctr"/>
+          <a:lstStyle/>
+          <a:p>
+            <a:pPr algn="ctr"/>
+            <a:endParaRPr lang="ko-KR" altLang="en-US"/>
+          </a:p>
+        </p:txBody>
+      </p:sp>
+      <p:sp>
+        <p:nvSpPr>
+          <p:cNvPr id="83" name="실행 단추: 도움말 82">
+            <a:hlinkClick r:id="" action="ppaction://noaction" highlightClick="1"/>
+          </p:cNvPr>
+          <p:cNvSpPr/>
+          <p:nvPr/>
+        </p:nvSpPr>
+        <p:spPr>
+          <a:xfrm>
+            <a:off x="33354154" y="14928261"/>
+            <a:ext cx="369332" cy="369332"/>
+          </a:xfrm>
+          <a:prstGeom prst="actionButtonHelp">
+            <a:avLst/>
+          </a:prstGeom>
+        </p:spPr>
+        <p:style>
+          <a:lnRef idx="2">
+            <a:schemeClr val="accent1">
+              <a:shade val="50000"/>
+            </a:schemeClr>
+          </a:lnRef>
+          <a:fillRef idx="1">
+            <a:schemeClr val="accent1"/>
+          </a:fillRef>
+          <a:effectRef idx="0">
+            <a:schemeClr val="accent1"/>
+          </a:effectRef>
+          <a:fontRef idx="minor">
+            <a:schemeClr val="lt1"/>
+          </a:fontRef>
+        </p:style>
+        <p:txBody>
+          <a:bodyPr rtlCol="0" anchor="ctr"/>
+          <a:lstStyle/>
+          <a:p>
+            <a:pPr algn="ctr"/>
+            <a:endParaRPr lang="ko-KR" altLang="en-US"/>
+          </a:p>
+        </p:txBody>
+      </p:sp>
+      <p:sp>
+        <p:nvSpPr>
+          <p:cNvPr id="84" name="TextBox 83"/>
+          <p:cNvSpPr txBox="1"/>
+          <p:nvPr/>
+        </p:nvSpPr>
+        <p:spPr>
+          <a:xfrm>
+            <a:off x="33949686" y="14928261"/>
+            <a:ext cx="873957" cy="369332"/>
+          </a:xfrm>
+          <a:prstGeom prst="rect">
+            <a:avLst/>
+          </a:prstGeom>
+          <a:solidFill>
+            <a:schemeClr val="accent1"/>
+          </a:solidFill>
+          <a:ln>
+            <a:solidFill>
+              <a:schemeClr val="tx1"/>
+            </a:solidFill>
+          </a:ln>
+        </p:spPr>
+        <p:txBody>
+          <a:bodyPr wrap="none" rtlCol="0">
+            <a:spAutoFit/>
+          </a:bodyPr>
+          <a:lstStyle/>
+          <a:p>
+            <a:r>
+              <a:rPr lang="en-US" altLang="ko-KR" dirty="0" smtClean="0"/>
+              <a:t>DELETE</a:t>
+            </a:r>
+            <a:endParaRPr lang="ko-KR" altLang="en-US" dirty="0"/>
+          </a:p>
+        </p:txBody>
+      </p:sp>
+      <p:sp>
+        <p:nvSpPr>
+          <p:cNvPr id="87" name="TextBox 86"/>
+          <p:cNvSpPr txBox="1"/>
+          <p:nvPr/>
+        </p:nvSpPr>
+        <p:spPr>
+          <a:xfrm>
+            <a:off x="24451455" y="14332750"/>
+            <a:ext cx="632289" cy="369332"/>
+          </a:xfrm>
+          <a:prstGeom prst="rect">
+            <a:avLst/>
+          </a:prstGeom>
+          <a:solidFill>
+            <a:schemeClr val="accent1"/>
+          </a:solidFill>
+          <a:ln>
+            <a:solidFill>
+              <a:schemeClr val="tx1"/>
+            </a:solidFill>
+          </a:ln>
+        </p:spPr>
+        <p:txBody>
+          <a:bodyPr wrap="none" rtlCol="0">
+            <a:spAutoFit/>
+          </a:bodyPr>
+          <a:lstStyle/>
+          <a:p>
+            <a:pPr algn="ctr"/>
+            <a:r>
+              <a:rPr lang="en-US" altLang="ko-KR" dirty="0" smtClean="0"/>
+              <a:t>Start</a:t>
+            </a:r>
+            <a:endParaRPr lang="ko-KR" altLang="en-US" dirty="0"/>
+          </a:p>
+        </p:txBody>
+      </p:sp>
+      <p:sp>
+        <p:nvSpPr>
+          <p:cNvPr id="88" name="TextBox 87"/>
+          <p:cNvSpPr txBox="1"/>
+          <p:nvPr/>
+        </p:nvSpPr>
+        <p:spPr>
+          <a:xfrm>
+            <a:off x="25264594" y="14332750"/>
+            <a:ext cx="646331" cy="369332"/>
+          </a:xfrm>
+          <a:prstGeom prst="rect">
+            <a:avLst/>
+          </a:prstGeom>
+          <a:solidFill>
+            <a:schemeClr val="accent1"/>
+          </a:solidFill>
+          <a:ln>
+            <a:solidFill>
+              <a:schemeClr val="tx1"/>
+            </a:solidFill>
+          </a:ln>
+        </p:spPr>
+        <p:txBody>
+          <a:bodyPr wrap="none" rtlCol="0">
+            <a:spAutoFit/>
+          </a:bodyPr>
+          <a:lstStyle/>
+          <a:p>
+            <a:pPr algn="ctr"/>
+            <a:r>
+              <a:rPr lang="en-US" altLang="ko-KR" dirty="0" smtClean="0"/>
+              <a:t>Stop		</a:t>
+            </a:r>
+            <a:endParaRPr lang="ko-KR" altLang="en-US" dirty="0"/>
+          </a:p>
+        </p:txBody>
+      </p:sp>
+      <p:sp>
+        <p:nvSpPr>
+          <p:cNvPr id="89" name="TextBox 88"/>
+          <p:cNvSpPr txBox="1"/>
+          <p:nvPr/>
+        </p:nvSpPr>
+        <p:spPr>
+          <a:xfrm>
+            <a:off x="33316261" y="14332750"/>
+            <a:ext cx="1091454" cy="369332"/>
+          </a:xfrm>
+          <a:prstGeom prst="rect">
+            <a:avLst/>
+          </a:prstGeom>
+          <a:solidFill>
+            <a:schemeClr val="accent1"/>
+          </a:solidFill>
+          <a:ln>
+            <a:solidFill>
+              <a:schemeClr val="tx1"/>
+            </a:solidFill>
+          </a:ln>
+        </p:spPr>
+        <p:txBody>
+          <a:bodyPr wrap="none" rtlCol="0">
+            <a:spAutoFit/>
+          </a:bodyPr>
+          <a:lstStyle/>
+          <a:p>
+            <a:pPr algn="ctr"/>
+            <a:r>
+              <a:rPr lang="en-US" altLang="ko-KR" dirty="0" smtClean="0"/>
+              <a:t>Delete All</a:t>
+            </a:r>
+            <a:endParaRPr lang="ko-KR" altLang="en-US" dirty="0"/>
+          </a:p>
+        </p:txBody>
+      </p:sp>
+      <p:sp>
+        <p:nvSpPr>
+          <p:cNvPr id="90" name="TextBox 89"/>
+          <p:cNvSpPr txBox="1"/>
+          <p:nvPr/>
+        </p:nvSpPr>
+        <p:spPr>
+          <a:xfrm>
+            <a:off x="24451455" y="11106902"/>
+            <a:ext cx="2016899" cy="369332"/>
+          </a:xfrm>
+          <a:prstGeom prst="rect">
+            <a:avLst/>
+          </a:prstGeom>
+          <a:solidFill>
+            <a:schemeClr val="accent1"/>
+          </a:solidFill>
+          <a:ln>
+            <a:solidFill>
+              <a:schemeClr val="tx1"/>
+            </a:solidFill>
+          </a:ln>
+        </p:spPr>
+        <p:txBody>
+          <a:bodyPr wrap="none" rtlCol="0">
+            <a:spAutoFit/>
+          </a:bodyPr>
+          <a:lstStyle/>
+          <a:p>
+            <a:r>
+              <a:rPr lang="en-US" altLang="ko-KR" dirty="0" smtClean="0"/>
+              <a:t>CAN Channel 1 DB: </a:t>
+            </a:r>
+            <a:endParaRPr lang="ko-KR" altLang="en-US" dirty="0"/>
+          </a:p>
+        </p:txBody>
+      </p:sp>
+      <p:sp>
+        <p:nvSpPr>
+          <p:cNvPr id="91" name="TextBox 90"/>
+          <p:cNvSpPr txBox="1"/>
+          <p:nvPr/>
+        </p:nvSpPr>
+        <p:spPr>
+          <a:xfrm>
+            <a:off x="24451455" y="11601429"/>
+            <a:ext cx="2016899" cy="369332"/>
+          </a:xfrm>
+          <a:prstGeom prst="rect">
+            <a:avLst/>
+          </a:prstGeom>
+          <a:solidFill>
+            <a:schemeClr val="accent1"/>
+          </a:solidFill>
+          <a:ln>
+            <a:solidFill>
+              <a:schemeClr val="tx1"/>
+            </a:solidFill>
+          </a:ln>
+        </p:spPr>
+        <p:txBody>
+          <a:bodyPr wrap="none" rtlCol="0">
+            <a:spAutoFit/>
+          </a:bodyPr>
+          <a:lstStyle/>
+          <a:p>
+            <a:r>
+              <a:rPr lang="en-US" altLang="ko-KR" dirty="0" smtClean="0"/>
+              <a:t>CAN Channel 2 DB: </a:t>
+            </a:r>
+            <a:endParaRPr lang="ko-KR" altLang="en-US" dirty="0"/>
+          </a:p>
+        </p:txBody>
+      </p:sp>
+      <p:cxnSp>
+        <p:nvCxnSpPr>
+          <p:cNvPr id="93" name="직선 연결선 92"/>
+          <p:cNvCxnSpPr/>
+          <p:nvPr/>
+        </p:nvCxnSpPr>
+        <p:spPr>
+          <a:xfrm>
+            <a:off x="24449315" y="12139590"/>
+            <a:ext cx="10635492" cy="0"/>
+          </a:xfrm>
+          <a:prstGeom prst="line">
+            <a:avLst/>
+          </a:prstGeom>
         </p:spPr>
         <p:style>
           <a:lnRef idx="1">
@@ -4104,21 +4806,18 @@
       </p:cxnSp>
       <p:cxnSp>
         <p:nvCxnSpPr>
-          <p:cNvPr id="33" name="직선 화살표 연결선 32"/>
+          <p:cNvPr id="96" name="직선 연결선 95"/>
           <p:cNvCxnSpPr/>
           <p:nvPr/>
         </p:nvCxnSpPr>
         <p:spPr>
-          <a:xfrm flipV="1">
-            <a:off x="20815686" y="2160775"/>
-            <a:ext cx="993765" cy="3262372"/>
-          </a:xfrm>
-          <a:prstGeom prst="straightConnector1">
+          <a:xfrm>
+            <a:off x="24449315" y="14189302"/>
+            <a:ext cx="10635492" cy="0"/>
+          </a:xfrm>
+          <a:prstGeom prst="line">
             <a:avLst/>
           </a:prstGeom>
-          <a:ln>
-            <a:tailEnd type="triangle"/>
-          </a:ln>
         </p:spPr>
         <p:style>
           <a:lnRef idx="1">
@@ -4135,39 +4834,555 @@
           </a:fontRef>
         </p:style>
       </p:cxnSp>
-      <p:cxnSp>
-        <p:nvCxnSpPr>
-          <p:cNvPr id="35" name="직선 화살표 연결선 34"/>
-          <p:cNvCxnSpPr/>
+      <p:sp>
+        <p:nvSpPr>
+          <p:cNvPr id="97" name="직사각형 96"/>
+          <p:cNvSpPr/>
           <p:nvPr/>
-        </p:nvCxnSpPr>
-        <p:spPr>
-          <a:xfrm flipH="1">
-            <a:off x="20299680" y="2160775"/>
-            <a:ext cx="1036320" cy="3262372"/>
-          </a:xfrm>
-          <a:prstGeom prst="straightConnector1">
+        </p:nvSpPr>
+        <p:spPr>
+          <a:xfrm>
+            <a:off x="24454252" y="13077501"/>
+            <a:ext cx="6510157" cy="571382"/>
+          </a:xfrm>
+          <a:prstGeom prst="rect">
             <a:avLst/>
           </a:prstGeom>
+          <a:noFill/>
           <a:ln>
-            <a:tailEnd type="triangle"/>
+            <a:solidFill>
+              <a:schemeClr val="tx1"/>
+            </a:solidFill>
           </a:ln>
         </p:spPr>
         <p:style>
-          <a:lnRef idx="1">
-            <a:schemeClr val="accent1"/>
+          <a:lnRef idx="2">
+            <a:schemeClr val="accent1">
+              <a:shade val="50000"/>
+            </a:schemeClr>
           </a:lnRef>
-          <a:fillRef idx="0">
+          <a:fillRef idx="1">
             <a:schemeClr val="accent1"/>
           </a:fillRef>
           <a:effectRef idx="0">
             <a:schemeClr val="accent1"/>
           </a:effectRef>
           <a:fontRef idx="minor">
-            <a:schemeClr val="tx1"/>
+            <a:schemeClr val="lt1"/>
           </a:fontRef>
         </p:style>
-      </p:cxnSp>
+        <p:txBody>
+          <a:bodyPr rtlCol="0" anchor="ctr"/>
+          <a:lstStyle/>
+          <a:p>
+            <a:pPr algn="ctr"/>
+            <a:endParaRPr lang="ko-KR" altLang="en-US" dirty="0"/>
+          </a:p>
+        </p:txBody>
+      </p:sp>
+      <p:sp>
+        <p:nvSpPr>
+          <p:cNvPr id="98" name="TextBox 97"/>
+          <p:cNvSpPr txBox="1"/>
+          <p:nvPr/>
+        </p:nvSpPr>
+        <p:spPr>
+          <a:xfrm>
+            <a:off x="24583136" y="13178526"/>
+            <a:ext cx="4801314" cy="369332"/>
+          </a:xfrm>
+          <a:prstGeom prst="rect">
+            <a:avLst/>
+          </a:prstGeom>
+          <a:noFill/>
+        </p:spPr>
+        <p:txBody>
+          <a:bodyPr wrap="none" rtlCol="0">
+            <a:spAutoFit/>
+          </a:bodyPr>
+          <a:lstStyle/>
+          <a:p>
+            <a:r>
+              <a:rPr lang="en-US" altLang="ko-KR" dirty="0" err="1" smtClean="0"/>
+              <a:t>Sig_Name</a:t>
+            </a:r>
+            <a:r>
+              <a:rPr lang="en-US" altLang="ko-KR" dirty="0" smtClean="0"/>
+              <a:t>:			</a:t>
+            </a:r>
+            <a:r>
+              <a:rPr lang="en-US" altLang="ko-KR" dirty="0" err="1" smtClean="0"/>
+              <a:t>Sig_Value</a:t>
+            </a:r>
+            <a:r>
+              <a:rPr lang="en-US" altLang="ko-KR" dirty="0" smtClean="0"/>
+              <a:t>:			</a:t>
+            </a:r>
+            <a:endParaRPr lang="ko-KR" altLang="en-US" dirty="0"/>
+          </a:p>
+        </p:txBody>
+      </p:sp>
+      <p:sp>
+        <p:nvSpPr>
+          <p:cNvPr id="99" name="직사각형 98"/>
+          <p:cNvSpPr/>
+          <p:nvPr/>
+        </p:nvSpPr>
+        <p:spPr>
+          <a:xfrm>
+            <a:off x="25840956" y="13178526"/>
+            <a:ext cx="1010529" cy="369332"/>
+          </a:xfrm>
+          <a:prstGeom prst="rect">
+            <a:avLst/>
+          </a:prstGeom>
+          <a:solidFill>
+            <a:schemeClr val="accent1"/>
+          </a:solidFill>
+        </p:spPr>
+        <p:style>
+          <a:lnRef idx="2">
+            <a:schemeClr val="accent1">
+              <a:shade val="50000"/>
+            </a:schemeClr>
+          </a:lnRef>
+          <a:fillRef idx="1">
+            <a:schemeClr val="accent1"/>
+          </a:fillRef>
+          <a:effectRef idx="0">
+            <a:schemeClr val="accent1"/>
+          </a:effectRef>
+          <a:fontRef idx="minor">
+            <a:schemeClr val="lt1"/>
+          </a:fontRef>
+        </p:style>
+        <p:txBody>
+          <a:bodyPr rtlCol="0" anchor="ctr"/>
+          <a:lstStyle/>
+          <a:p>
+            <a:pPr algn="ctr"/>
+            <a:endParaRPr lang="ko-KR" altLang="en-US"/>
+          </a:p>
+        </p:txBody>
+      </p:sp>
+      <p:sp>
+        <p:nvSpPr>
+          <p:cNvPr id="100" name="직사각형 99"/>
+          <p:cNvSpPr/>
+          <p:nvPr/>
+        </p:nvSpPr>
+        <p:spPr>
+          <a:xfrm>
+            <a:off x="28014680" y="13178526"/>
+            <a:ext cx="1010529" cy="369332"/>
+          </a:xfrm>
+          <a:prstGeom prst="rect">
+            <a:avLst/>
+          </a:prstGeom>
+          <a:solidFill>
+            <a:schemeClr val="accent1"/>
+          </a:solidFill>
+        </p:spPr>
+        <p:style>
+          <a:lnRef idx="2">
+            <a:schemeClr val="accent1">
+              <a:shade val="50000"/>
+            </a:schemeClr>
+          </a:lnRef>
+          <a:fillRef idx="1">
+            <a:schemeClr val="accent1"/>
+          </a:fillRef>
+          <a:effectRef idx="0">
+            <a:schemeClr val="accent1"/>
+          </a:effectRef>
+          <a:fontRef idx="minor">
+            <a:schemeClr val="lt1"/>
+          </a:fontRef>
+        </p:style>
+        <p:txBody>
+          <a:bodyPr rtlCol="0" anchor="ctr"/>
+          <a:lstStyle/>
+          <a:p>
+            <a:pPr algn="ctr"/>
+            <a:endParaRPr lang="ko-KR" altLang="en-US"/>
+          </a:p>
+        </p:txBody>
+      </p:sp>
+      <p:sp>
+        <p:nvSpPr>
+          <p:cNvPr id="104" name="TextBox 103"/>
+          <p:cNvSpPr txBox="1"/>
+          <p:nvPr/>
+        </p:nvSpPr>
+        <p:spPr>
+          <a:xfrm>
+            <a:off x="29341868" y="13178526"/>
+            <a:ext cx="1423614" cy="369332"/>
+          </a:xfrm>
+          <a:prstGeom prst="rect">
+            <a:avLst/>
+          </a:prstGeom>
+          <a:solidFill>
+            <a:schemeClr val="accent1"/>
+          </a:solidFill>
+          <a:ln>
+            <a:solidFill>
+              <a:schemeClr val="tx1"/>
+            </a:solidFill>
+          </a:ln>
+        </p:spPr>
+        <p:txBody>
+          <a:bodyPr wrap="square" rtlCol="0">
+            <a:spAutoFit/>
+          </a:bodyPr>
+          <a:lstStyle/>
+          <a:p>
+            <a:pPr algn="ctr"/>
+            <a:r>
+              <a:rPr lang="en-US" altLang="ko-KR" dirty="0" smtClean="0"/>
+              <a:t>Create</a:t>
+            </a:r>
+            <a:endParaRPr lang="ko-KR" altLang="en-US" dirty="0"/>
+          </a:p>
+        </p:txBody>
+      </p:sp>
+      <p:sp>
+        <p:nvSpPr>
+          <p:cNvPr id="105" name="아래쪽 화살표 104"/>
+          <p:cNvSpPr/>
+          <p:nvPr/>
+        </p:nvSpPr>
+        <p:spPr>
+          <a:xfrm>
+            <a:off x="27291957" y="13657928"/>
+            <a:ext cx="501695" cy="713935"/>
+          </a:xfrm>
+          <a:prstGeom prst="downArrow">
+            <a:avLst/>
+          </a:prstGeom>
+        </p:spPr>
+        <p:style>
+          <a:lnRef idx="2">
+            <a:schemeClr val="accent1">
+              <a:shade val="50000"/>
+            </a:schemeClr>
+          </a:lnRef>
+          <a:fillRef idx="1">
+            <a:schemeClr val="accent1"/>
+          </a:fillRef>
+          <a:effectRef idx="0">
+            <a:schemeClr val="accent1"/>
+          </a:effectRef>
+          <a:fontRef idx="minor">
+            <a:schemeClr val="lt1"/>
+          </a:fontRef>
+        </p:style>
+        <p:txBody>
+          <a:bodyPr rtlCol="0" anchor="ctr"/>
+          <a:lstStyle/>
+          <a:p>
+            <a:pPr algn="ctr"/>
+            <a:endParaRPr lang="ko-KR" altLang="en-US"/>
+          </a:p>
+        </p:txBody>
+      </p:sp>
+      <p:sp>
+        <p:nvSpPr>
+          <p:cNvPr id="106" name="직사각형 105"/>
+          <p:cNvSpPr/>
+          <p:nvPr/>
+        </p:nvSpPr>
+        <p:spPr>
+          <a:xfrm>
+            <a:off x="26597261" y="11106903"/>
+            <a:ext cx="6942173" cy="369332"/>
+          </a:xfrm>
+          <a:prstGeom prst="rect">
+            <a:avLst/>
+          </a:prstGeom>
+          <a:noFill/>
+        </p:spPr>
+        <p:style>
+          <a:lnRef idx="2">
+            <a:schemeClr val="accent1">
+              <a:shade val="50000"/>
+            </a:schemeClr>
+          </a:lnRef>
+          <a:fillRef idx="1">
+            <a:schemeClr val="accent1"/>
+          </a:fillRef>
+          <a:effectRef idx="0">
+            <a:schemeClr val="accent1"/>
+          </a:effectRef>
+          <a:fontRef idx="minor">
+            <a:schemeClr val="lt1"/>
+          </a:fontRef>
+        </p:style>
+        <p:txBody>
+          <a:bodyPr rtlCol="0" anchor="ctr"/>
+          <a:lstStyle/>
+          <a:p>
+            <a:pPr algn="ctr"/>
+            <a:endParaRPr lang="ko-KR" altLang="en-US"/>
+          </a:p>
+        </p:txBody>
+      </p:sp>
+      <p:sp>
+        <p:nvSpPr>
+          <p:cNvPr id="107" name="직사각형 106"/>
+          <p:cNvSpPr/>
+          <p:nvPr/>
+        </p:nvSpPr>
+        <p:spPr>
+          <a:xfrm>
+            <a:off x="26597261" y="11598195"/>
+            <a:ext cx="6942173" cy="369332"/>
+          </a:xfrm>
+          <a:prstGeom prst="rect">
+            <a:avLst/>
+          </a:prstGeom>
+          <a:noFill/>
+        </p:spPr>
+        <p:style>
+          <a:lnRef idx="2">
+            <a:schemeClr val="accent1">
+              <a:shade val="50000"/>
+            </a:schemeClr>
+          </a:lnRef>
+          <a:fillRef idx="1">
+            <a:schemeClr val="accent1"/>
+          </a:fillRef>
+          <a:effectRef idx="0">
+            <a:schemeClr val="accent1"/>
+          </a:effectRef>
+          <a:fontRef idx="minor">
+            <a:schemeClr val="lt1"/>
+          </a:fontRef>
+        </p:style>
+        <p:txBody>
+          <a:bodyPr rtlCol="0" anchor="ctr"/>
+          <a:lstStyle/>
+          <a:p>
+            <a:pPr algn="ctr"/>
+            <a:endParaRPr lang="ko-KR" altLang="en-US"/>
+          </a:p>
+        </p:txBody>
+      </p:sp>
+      <p:sp>
+        <p:nvSpPr>
+          <p:cNvPr id="109" name="TextBox 108"/>
+          <p:cNvSpPr txBox="1"/>
+          <p:nvPr/>
+        </p:nvSpPr>
+        <p:spPr>
+          <a:xfrm>
+            <a:off x="24449315" y="12302273"/>
+            <a:ext cx="10635492" cy="646331"/>
+          </a:xfrm>
+          <a:prstGeom prst="rect">
+            <a:avLst/>
+          </a:prstGeom>
+          <a:solidFill>
+            <a:schemeClr val="bg1">
+              <a:lumMod val="75000"/>
+            </a:schemeClr>
+          </a:solidFill>
+          <a:ln>
+            <a:solidFill>
+              <a:schemeClr val="tx1"/>
+            </a:solidFill>
+          </a:ln>
+        </p:spPr>
+        <p:txBody>
+          <a:bodyPr wrap="square" rtlCol="0">
+            <a:spAutoFit/>
+          </a:bodyPr>
+          <a:lstStyle/>
+          <a:p>
+            <a:pPr algn="ctr"/>
+            <a:r>
+              <a:rPr lang="en-US" altLang="ko-KR" dirty="0"/>
+              <a:t>TBD</a:t>
+            </a:r>
+            <a:endParaRPr lang="ko-KR" altLang="en-US" dirty="0"/>
+          </a:p>
+          <a:p>
+            <a:pPr algn="ctr"/>
+            <a:r>
+              <a:rPr lang="en-US" altLang="ko-KR" dirty="0" smtClean="0"/>
+              <a:t>Get Signal list(name, value) from Spec or Excel</a:t>
+            </a:r>
+          </a:p>
+        </p:txBody>
+      </p:sp>
+      <p:sp>
+        <p:nvSpPr>
+          <p:cNvPr id="110" name="아래쪽 화살표 109"/>
+          <p:cNvSpPr/>
+          <p:nvPr/>
+        </p:nvSpPr>
+        <p:spPr>
+          <a:xfrm>
+            <a:off x="32238232" y="12948604"/>
+            <a:ext cx="501695" cy="1423259"/>
+          </a:xfrm>
+          <a:prstGeom prst="downArrow">
+            <a:avLst/>
+          </a:prstGeom>
+          <a:solidFill>
+            <a:schemeClr val="bg1">
+              <a:lumMod val="75000"/>
+            </a:schemeClr>
+          </a:solidFill>
+          <a:ln>
+            <a:solidFill>
+              <a:schemeClr val="tx1"/>
+            </a:solidFill>
+          </a:ln>
+        </p:spPr>
+        <p:style>
+          <a:lnRef idx="2">
+            <a:schemeClr val="accent1">
+              <a:shade val="50000"/>
+            </a:schemeClr>
+          </a:lnRef>
+          <a:fillRef idx="1">
+            <a:schemeClr val="accent1"/>
+          </a:fillRef>
+          <a:effectRef idx="0">
+            <a:schemeClr val="accent1"/>
+          </a:effectRef>
+          <a:fontRef idx="minor">
+            <a:schemeClr val="lt1"/>
+          </a:fontRef>
+        </p:style>
+        <p:txBody>
+          <a:bodyPr rtlCol="0" anchor="ctr"/>
+          <a:lstStyle/>
+          <a:p>
+            <a:pPr algn="ctr"/>
+            <a:endParaRPr lang="ko-KR" altLang="en-US"/>
+          </a:p>
+        </p:txBody>
+      </p:sp>
+      <p:sp>
+        <p:nvSpPr>
+          <p:cNvPr id="111" name="TextBox 110"/>
+          <p:cNvSpPr txBox="1"/>
+          <p:nvPr/>
+        </p:nvSpPr>
+        <p:spPr>
+          <a:xfrm>
+            <a:off x="29592010" y="15476110"/>
+            <a:ext cx="461665" cy="251031"/>
+          </a:xfrm>
+          <a:prstGeom prst="rect">
+            <a:avLst/>
+          </a:prstGeom>
+          <a:noFill/>
+        </p:spPr>
+        <p:txBody>
+          <a:bodyPr vert="eaVert" wrap="none" rtlCol="0">
+            <a:spAutoFit/>
+          </a:bodyPr>
+          <a:lstStyle/>
+          <a:p>
+            <a:r>
+              <a:rPr lang="en-US" altLang="ko-KR" dirty="0" smtClean="0"/>
+              <a:t>…</a:t>
+            </a:r>
+            <a:endParaRPr lang="ko-KR" altLang="en-US" dirty="0"/>
+          </a:p>
+        </p:txBody>
+      </p:sp>
+      <p:sp>
+        <p:nvSpPr>
+          <p:cNvPr id="120" name="TextBox 119"/>
+          <p:cNvSpPr txBox="1"/>
+          <p:nvPr/>
+        </p:nvSpPr>
+        <p:spPr>
+          <a:xfrm>
+            <a:off x="23491025" y="14928261"/>
+            <a:ext cx="1067921" cy="369332"/>
+          </a:xfrm>
+          <a:prstGeom prst="rect">
+            <a:avLst/>
+          </a:prstGeom>
+          <a:noFill/>
+          <a:ln>
+            <a:solidFill>
+              <a:schemeClr val="tx1"/>
+            </a:solidFill>
+          </a:ln>
+        </p:spPr>
+        <p:txBody>
+          <a:bodyPr wrap="none" rtlCol="0">
+            <a:spAutoFit/>
+          </a:bodyPr>
+          <a:lstStyle/>
+          <a:p>
+            <a:r>
+              <a:rPr lang="en-US" altLang="ko-KR" dirty="0" smtClean="0">
+                <a:solidFill>
+                  <a:srgbClr val="FF0000"/>
+                </a:solidFill>
+              </a:rPr>
+              <a:t>Channel: </a:t>
+            </a:r>
+            <a:endParaRPr lang="ko-KR" altLang="en-US" dirty="0">
+              <a:solidFill>
+                <a:srgbClr val="FF0000"/>
+              </a:solidFill>
+            </a:endParaRPr>
+          </a:p>
+        </p:txBody>
+      </p:sp>
+      <p:sp>
+        <p:nvSpPr>
+          <p:cNvPr id="7" name="TextBox 6"/>
+          <p:cNvSpPr txBox="1"/>
+          <p:nvPr/>
+        </p:nvSpPr>
+        <p:spPr>
+          <a:xfrm>
+            <a:off x="33634680" y="11106902"/>
+            <a:ext cx="1450127" cy="923330"/>
+          </a:xfrm>
+          <a:prstGeom prst="rect">
+            <a:avLst/>
+          </a:prstGeom>
+          <a:solidFill>
+            <a:schemeClr val="accent1"/>
+          </a:solidFill>
+          <a:ln>
+            <a:solidFill>
+              <a:schemeClr val="tx1"/>
+            </a:solidFill>
+          </a:ln>
+        </p:spPr>
+        <p:txBody>
+          <a:bodyPr wrap="square" rtlCol="0">
+            <a:spAutoFit/>
+          </a:bodyPr>
+          <a:lstStyle/>
+          <a:p>
+            <a:pPr algn="ctr"/>
+            <a:endParaRPr lang="en-US" altLang="ko-KR" dirty="0" smtClean="0"/>
+          </a:p>
+          <a:p>
+            <a:pPr algn="ctr"/>
+            <a:r>
+              <a:rPr lang="en-US" altLang="ko-KR" dirty="0" smtClean="0"/>
+              <a:t>Load DBCs</a:t>
+            </a:r>
+          </a:p>
+          <a:p>
+            <a:pPr algn="ctr"/>
+            <a:endParaRPr lang="ko-KR" altLang="en-US" dirty="0"/>
+          </a:p>
+        </p:txBody>
+      </p:sp>
     </p:spTree>
     <p:extLst>
       <p:ext uri="{BB962C8B-B14F-4D97-AF65-F5344CB8AC3E}">

--- a/doc/pythonCANproject_v0.0.pptx
+++ b/doc/pythonCANproject_v0.0.pptx
@@ -243,7 +243,7 @@
           <a:p>
             <a:fld id="{E01E04AD-BD59-4252-933F-EBECA9245F14}" type="datetimeFigureOut">
               <a:rPr lang="ko-KR" altLang="en-US" smtClean="0"/>
-              <a:t>2020-06-04</a:t>
+              <a:t>2020-06-19</a:t>
             </a:fld>
             <a:endParaRPr lang="ko-KR" altLang="en-US"/>
           </a:p>
@@ -413,7 +413,7 @@
           <a:p>
             <a:fld id="{E01E04AD-BD59-4252-933F-EBECA9245F14}" type="datetimeFigureOut">
               <a:rPr lang="ko-KR" altLang="en-US" smtClean="0"/>
-              <a:t>2020-06-04</a:t>
+              <a:t>2020-06-19</a:t>
             </a:fld>
             <a:endParaRPr lang="ko-KR" altLang="en-US"/>
           </a:p>
@@ -593,7 +593,7 @@
           <a:p>
             <a:fld id="{E01E04AD-BD59-4252-933F-EBECA9245F14}" type="datetimeFigureOut">
               <a:rPr lang="ko-KR" altLang="en-US" smtClean="0"/>
-              <a:t>2020-06-04</a:t>
+              <a:t>2020-06-19</a:t>
             </a:fld>
             <a:endParaRPr lang="ko-KR" altLang="en-US"/>
           </a:p>
@@ -763,7 +763,7 @@
           <a:p>
             <a:fld id="{E01E04AD-BD59-4252-933F-EBECA9245F14}" type="datetimeFigureOut">
               <a:rPr lang="ko-KR" altLang="en-US" smtClean="0"/>
-              <a:t>2020-06-04</a:t>
+              <a:t>2020-06-19</a:t>
             </a:fld>
             <a:endParaRPr lang="ko-KR" altLang="en-US"/>
           </a:p>
@@ -1009,7 +1009,7 @@
           <a:p>
             <a:fld id="{E01E04AD-BD59-4252-933F-EBECA9245F14}" type="datetimeFigureOut">
               <a:rPr lang="ko-KR" altLang="en-US" smtClean="0"/>
-              <a:t>2020-06-04</a:t>
+              <a:t>2020-06-19</a:t>
             </a:fld>
             <a:endParaRPr lang="ko-KR" altLang="en-US"/>
           </a:p>
@@ -1241,7 +1241,7 @@
           <a:p>
             <a:fld id="{E01E04AD-BD59-4252-933F-EBECA9245F14}" type="datetimeFigureOut">
               <a:rPr lang="ko-KR" altLang="en-US" smtClean="0"/>
-              <a:t>2020-06-04</a:t>
+              <a:t>2020-06-19</a:t>
             </a:fld>
             <a:endParaRPr lang="ko-KR" altLang="en-US"/>
           </a:p>
@@ -1608,7 +1608,7 @@
           <a:p>
             <a:fld id="{E01E04AD-BD59-4252-933F-EBECA9245F14}" type="datetimeFigureOut">
               <a:rPr lang="ko-KR" altLang="en-US" smtClean="0"/>
-              <a:t>2020-06-04</a:t>
+              <a:t>2020-06-19</a:t>
             </a:fld>
             <a:endParaRPr lang="ko-KR" altLang="en-US"/>
           </a:p>
@@ -1726,7 +1726,7 @@
           <a:p>
             <a:fld id="{E01E04AD-BD59-4252-933F-EBECA9245F14}" type="datetimeFigureOut">
               <a:rPr lang="ko-KR" altLang="en-US" smtClean="0"/>
-              <a:t>2020-06-04</a:t>
+              <a:t>2020-06-19</a:t>
             </a:fld>
             <a:endParaRPr lang="ko-KR" altLang="en-US"/>
           </a:p>
@@ -1821,7 +1821,7 @@
           <a:p>
             <a:fld id="{E01E04AD-BD59-4252-933F-EBECA9245F14}" type="datetimeFigureOut">
               <a:rPr lang="ko-KR" altLang="en-US" smtClean="0"/>
-              <a:t>2020-06-04</a:t>
+              <a:t>2020-06-19</a:t>
             </a:fld>
             <a:endParaRPr lang="ko-KR" altLang="en-US"/>
           </a:p>
@@ -2098,7 +2098,7 @@
           <a:p>
             <a:fld id="{E01E04AD-BD59-4252-933F-EBECA9245F14}" type="datetimeFigureOut">
               <a:rPr lang="ko-KR" altLang="en-US" smtClean="0"/>
-              <a:t>2020-06-04</a:t>
+              <a:t>2020-06-19</a:t>
             </a:fld>
             <a:endParaRPr lang="ko-KR" altLang="en-US"/>
           </a:p>
@@ -2355,7 +2355,7 @@
           <a:p>
             <a:fld id="{E01E04AD-BD59-4252-933F-EBECA9245F14}" type="datetimeFigureOut">
               <a:rPr lang="ko-KR" altLang="en-US" smtClean="0"/>
-              <a:t>2020-06-04</a:t>
+              <a:t>2020-06-19</a:t>
             </a:fld>
             <a:endParaRPr lang="ko-KR" altLang="en-US"/>
           </a:p>
@@ -2568,7 +2568,7 @@
           <a:p>
             <a:fld id="{E01E04AD-BD59-4252-933F-EBECA9245F14}" type="datetimeFigureOut">
               <a:rPr lang="ko-KR" altLang="en-US" smtClean="0"/>
-              <a:t>2020-06-04</a:t>
+              <a:t>2020-06-19</a:t>
             </a:fld>
             <a:endParaRPr lang="ko-KR" altLang="en-US"/>
           </a:p>

--- a/doc/pythonCANproject_v0.0.pptx
+++ b/doc/pythonCANproject_v0.0.pptx
@@ -243,7 +243,7 @@
           <a:p>
             <a:fld id="{E01E04AD-BD59-4252-933F-EBECA9245F14}" type="datetimeFigureOut">
               <a:rPr lang="ko-KR" altLang="en-US" smtClean="0"/>
-              <a:t>2020-06-19</a:t>
+              <a:t>2020-06-30</a:t>
             </a:fld>
             <a:endParaRPr lang="ko-KR" altLang="en-US"/>
           </a:p>
@@ -413,7 +413,7 @@
           <a:p>
             <a:fld id="{E01E04AD-BD59-4252-933F-EBECA9245F14}" type="datetimeFigureOut">
               <a:rPr lang="ko-KR" altLang="en-US" smtClean="0"/>
-              <a:t>2020-06-19</a:t>
+              <a:t>2020-06-30</a:t>
             </a:fld>
             <a:endParaRPr lang="ko-KR" altLang="en-US"/>
           </a:p>
@@ -593,7 +593,7 @@
           <a:p>
             <a:fld id="{E01E04AD-BD59-4252-933F-EBECA9245F14}" type="datetimeFigureOut">
               <a:rPr lang="ko-KR" altLang="en-US" smtClean="0"/>
-              <a:t>2020-06-19</a:t>
+              <a:t>2020-06-30</a:t>
             </a:fld>
             <a:endParaRPr lang="ko-KR" altLang="en-US"/>
           </a:p>
@@ -763,7 +763,7 @@
           <a:p>
             <a:fld id="{E01E04AD-BD59-4252-933F-EBECA9245F14}" type="datetimeFigureOut">
               <a:rPr lang="ko-KR" altLang="en-US" smtClean="0"/>
-              <a:t>2020-06-19</a:t>
+              <a:t>2020-06-30</a:t>
             </a:fld>
             <a:endParaRPr lang="ko-KR" altLang="en-US"/>
           </a:p>
@@ -1009,7 +1009,7 @@
           <a:p>
             <a:fld id="{E01E04AD-BD59-4252-933F-EBECA9245F14}" type="datetimeFigureOut">
               <a:rPr lang="ko-KR" altLang="en-US" smtClean="0"/>
-              <a:t>2020-06-19</a:t>
+              <a:t>2020-06-30</a:t>
             </a:fld>
             <a:endParaRPr lang="ko-KR" altLang="en-US"/>
           </a:p>
@@ -1241,7 +1241,7 @@
           <a:p>
             <a:fld id="{E01E04AD-BD59-4252-933F-EBECA9245F14}" type="datetimeFigureOut">
               <a:rPr lang="ko-KR" altLang="en-US" smtClean="0"/>
-              <a:t>2020-06-19</a:t>
+              <a:t>2020-06-30</a:t>
             </a:fld>
             <a:endParaRPr lang="ko-KR" altLang="en-US"/>
           </a:p>
@@ -1608,7 +1608,7 @@
           <a:p>
             <a:fld id="{E01E04AD-BD59-4252-933F-EBECA9245F14}" type="datetimeFigureOut">
               <a:rPr lang="ko-KR" altLang="en-US" smtClean="0"/>
-              <a:t>2020-06-19</a:t>
+              <a:t>2020-06-30</a:t>
             </a:fld>
             <a:endParaRPr lang="ko-KR" altLang="en-US"/>
           </a:p>
@@ -1726,7 +1726,7 @@
           <a:p>
             <a:fld id="{E01E04AD-BD59-4252-933F-EBECA9245F14}" type="datetimeFigureOut">
               <a:rPr lang="ko-KR" altLang="en-US" smtClean="0"/>
-              <a:t>2020-06-19</a:t>
+              <a:t>2020-06-30</a:t>
             </a:fld>
             <a:endParaRPr lang="ko-KR" altLang="en-US"/>
           </a:p>
@@ -1821,7 +1821,7 @@
           <a:p>
             <a:fld id="{E01E04AD-BD59-4252-933F-EBECA9245F14}" type="datetimeFigureOut">
               <a:rPr lang="ko-KR" altLang="en-US" smtClean="0"/>
-              <a:t>2020-06-19</a:t>
+              <a:t>2020-06-30</a:t>
             </a:fld>
             <a:endParaRPr lang="ko-KR" altLang="en-US"/>
           </a:p>
@@ -2098,7 +2098,7 @@
           <a:p>
             <a:fld id="{E01E04AD-BD59-4252-933F-EBECA9245F14}" type="datetimeFigureOut">
               <a:rPr lang="ko-KR" altLang="en-US" smtClean="0"/>
-              <a:t>2020-06-19</a:t>
+              <a:t>2020-06-30</a:t>
             </a:fld>
             <a:endParaRPr lang="ko-KR" altLang="en-US"/>
           </a:p>
@@ -2355,7 +2355,7 @@
           <a:p>
             <a:fld id="{E01E04AD-BD59-4252-933F-EBECA9245F14}" type="datetimeFigureOut">
               <a:rPr lang="ko-KR" altLang="en-US" smtClean="0"/>
-              <a:t>2020-06-19</a:t>
+              <a:t>2020-06-30</a:t>
             </a:fld>
             <a:endParaRPr lang="ko-KR" altLang="en-US"/>
           </a:p>
@@ -2568,7 +2568,7 @@
           <a:p>
             <a:fld id="{E01E04AD-BD59-4252-933F-EBECA9245F14}" type="datetimeFigureOut">
               <a:rPr lang="ko-KR" altLang="en-US" smtClean="0"/>
-              <a:t>2020-06-19</a:t>
+              <a:t>2020-06-30</a:t>
             </a:fld>
             <a:endParaRPr lang="ko-KR" altLang="en-US"/>
           </a:p>
@@ -5383,6 +5383,49 @@
           </a:p>
         </p:txBody>
       </p:sp>
+      <p:sp>
+        <p:nvSpPr>
+          <p:cNvPr id="52" name="TextBox 51"/>
+          <p:cNvSpPr txBox="1"/>
+          <p:nvPr/>
+        </p:nvSpPr>
+        <p:spPr>
+          <a:xfrm>
+            <a:off x="23491025" y="15441040"/>
+            <a:ext cx="575799" cy="369332"/>
+          </a:xfrm>
+          <a:prstGeom prst="rect">
+            <a:avLst/>
+          </a:prstGeom>
+          <a:noFill/>
+          <a:ln>
+            <a:solidFill>
+              <a:schemeClr val="tx1"/>
+            </a:solidFill>
+          </a:ln>
+        </p:spPr>
+        <p:txBody>
+          <a:bodyPr wrap="none" rtlCol="0">
+            <a:spAutoFit/>
+          </a:bodyPr>
+          <a:lstStyle/>
+          <a:p>
+            <a:r>
+              <a:rPr lang="en-US" altLang="ko-KR" dirty="0" smtClean="0">
+                <a:solidFill>
+                  <a:srgbClr val="FF0000"/>
+                </a:solidFill>
+              </a:rPr>
+              <a:t>DBC</a:t>
+            </a:r>
+            <a:endParaRPr lang="ko-KR" altLang="en-US" dirty="0">
+              <a:solidFill>
+                <a:srgbClr val="FF0000"/>
+              </a:solidFill>
+            </a:endParaRPr>
+          </a:p>
+        </p:txBody>
+      </p:sp>
     </p:spTree>
     <p:extLst>
       <p:ext uri="{BB962C8B-B14F-4D97-AF65-F5344CB8AC3E}">
